--- a/Flash II.pptx
+++ b/Flash II.pptx
@@ -28,15 +28,16 @@
     <p:sldId id="276" r:id="rId22"/>
     <p:sldId id="277" r:id="rId23"/>
     <p:sldId id="278" r:id="rId24"/>
-    <p:sldId id="279" r:id="rId25"/>
-    <p:sldId id="280" r:id="rId26"/>
-    <p:sldId id="281" r:id="rId27"/>
-    <p:sldId id="282" r:id="rId28"/>
-    <p:sldId id="283" r:id="rId29"/>
-    <p:sldId id="287" r:id="rId30"/>
-    <p:sldId id="284" r:id="rId31"/>
-    <p:sldId id="285" r:id="rId32"/>
-    <p:sldId id="286" r:id="rId33"/>
+    <p:sldId id="288" r:id="rId25"/>
+    <p:sldId id="279" r:id="rId26"/>
+    <p:sldId id="280" r:id="rId27"/>
+    <p:sldId id="281" r:id="rId28"/>
+    <p:sldId id="282" r:id="rId29"/>
+    <p:sldId id="283" r:id="rId30"/>
+    <p:sldId id="287" r:id="rId31"/>
+    <p:sldId id="284" r:id="rId32"/>
+    <p:sldId id="285" r:id="rId33"/>
+    <p:sldId id="286" r:id="rId34"/>
   </p:sldIdLst>
   <p:sldSz cx="9144000" cy="6858000" type="screen4x3"/>
   <p:notesSz cx="6858000" cy="9144000"/>
@@ -135,6 +136,22 @@
       </a:defRPr>
     </a:lvl9pPr>
   </p:defaultTextStyle>
+  <p:extLst>
+    <p:ext uri="{EFAFB233-063F-42B5-8137-9DF3F51BA10A}">
+      <p15:sldGuideLst xmlns:p15="http://schemas.microsoft.com/office/powerpoint/2012/main">
+        <p15:guide id="1" orient="horz" pos="2160">
+          <p15:clr>
+            <a:srgbClr val="A4A3A4"/>
+          </p15:clr>
+        </p15:guide>
+        <p15:guide id="2" pos="2880">
+          <p15:clr>
+            <a:srgbClr val="A4A3A4"/>
+          </p15:clr>
+        </p15:guide>
+      </p15:sldGuideLst>
+    </p:ext>
+  </p:extLst>
 </p:presentation>
 </file>
 
@@ -319,7 +336,7 @@
           <a:p>
             <a:fld id="{DEECB167-A4B6-4B28-8B43-8C322C7A997A}" type="datetimeFigureOut">
               <a:rPr lang="ru-RU" smtClean="0"/>
-              <a:t>09.09.2013</a:t>
+              <a:t>18.09.2014</a:t>
             </a:fld>
             <a:endParaRPr lang="ru-RU"/>
           </a:p>
@@ -489,7 +506,7 @@
           <a:p>
             <a:fld id="{DEECB167-A4B6-4B28-8B43-8C322C7A997A}" type="datetimeFigureOut">
               <a:rPr lang="ru-RU" smtClean="0"/>
-              <a:t>09.09.2013</a:t>
+              <a:t>18.09.2014</a:t>
             </a:fld>
             <a:endParaRPr lang="ru-RU"/>
           </a:p>
@@ -669,7 +686,7 @@
           <a:p>
             <a:fld id="{DEECB167-A4B6-4B28-8B43-8C322C7A997A}" type="datetimeFigureOut">
               <a:rPr lang="ru-RU" smtClean="0"/>
-              <a:t>09.09.2013</a:t>
+              <a:t>18.09.2014</a:t>
             </a:fld>
             <a:endParaRPr lang="ru-RU"/>
           </a:p>
@@ -839,7 +856,7 @@
           <a:p>
             <a:fld id="{DEECB167-A4B6-4B28-8B43-8C322C7A997A}" type="datetimeFigureOut">
               <a:rPr lang="ru-RU" smtClean="0"/>
-              <a:t>09.09.2013</a:t>
+              <a:t>18.09.2014</a:t>
             </a:fld>
             <a:endParaRPr lang="ru-RU"/>
           </a:p>
@@ -1085,7 +1102,7 @@
           <a:p>
             <a:fld id="{DEECB167-A4B6-4B28-8B43-8C322C7A997A}" type="datetimeFigureOut">
               <a:rPr lang="ru-RU" smtClean="0"/>
-              <a:t>09.09.2013</a:t>
+              <a:t>18.09.2014</a:t>
             </a:fld>
             <a:endParaRPr lang="ru-RU"/>
           </a:p>
@@ -1373,7 +1390,7 @@
           <a:p>
             <a:fld id="{DEECB167-A4B6-4B28-8B43-8C322C7A997A}" type="datetimeFigureOut">
               <a:rPr lang="ru-RU" smtClean="0"/>
-              <a:t>09.09.2013</a:t>
+              <a:t>18.09.2014</a:t>
             </a:fld>
             <a:endParaRPr lang="ru-RU"/>
           </a:p>
@@ -1795,7 +1812,7 @@
           <a:p>
             <a:fld id="{DEECB167-A4B6-4B28-8B43-8C322C7A997A}" type="datetimeFigureOut">
               <a:rPr lang="ru-RU" smtClean="0"/>
-              <a:t>09.09.2013</a:t>
+              <a:t>18.09.2014</a:t>
             </a:fld>
             <a:endParaRPr lang="ru-RU"/>
           </a:p>
@@ -1913,7 +1930,7 @@
           <a:p>
             <a:fld id="{DEECB167-A4B6-4B28-8B43-8C322C7A997A}" type="datetimeFigureOut">
               <a:rPr lang="ru-RU" smtClean="0"/>
-              <a:t>09.09.2013</a:t>
+              <a:t>18.09.2014</a:t>
             </a:fld>
             <a:endParaRPr lang="ru-RU"/>
           </a:p>
@@ -2008,7 +2025,7 @@
           <a:p>
             <a:fld id="{DEECB167-A4B6-4B28-8B43-8C322C7A997A}" type="datetimeFigureOut">
               <a:rPr lang="ru-RU" smtClean="0"/>
-              <a:t>09.09.2013</a:t>
+              <a:t>18.09.2014</a:t>
             </a:fld>
             <a:endParaRPr lang="ru-RU"/>
           </a:p>
@@ -2285,7 +2302,7 @@
           <a:p>
             <a:fld id="{DEECB167-A4B6-4B28-8B43-8C322C7A997A}" type="datetimeFigureOut">
               <a:rPr lang="ru-RU" smtClean="0"/>
-              <a:t>09.09.2013</a:t>
+              <a:t>18.09.2014</a:t>
             </a:fld>
             <a:endParaRPr lang="ru-RU"/>
           </a:p>
@@ -2538,7 +2555,7 @@
           <a:p>
             <a:fld id="{DEECB167-A4B6-4B28-8B43-8C322C7A997A}" type="datetimeFigureOut">
               <a:rPr lang="ru-RU" smtClean="0"/>
-              <a:t>09.09.2013</a:t>
+              <a:t>18.09.2014</a:t>
             </a:fld>
             <a:endParaRPr lang="ru-RU"/>
           </a:p>
@@ -2751,7 +2768,7 @@
           <a:p>
             <a:fld id="{DEECB167-A4B6-4B28-8B43-8C322C7A997A}" type="datetimeFigureOut">
               <a:rPr lang="ru-RU" smtClean="0"/>
-              <a:t>09.09.2013</a:t>
+              <a:t>18.09.2014</a:t>
             </a:fld>
             <a:endParaRPr lang="ru-RU"/>
           </a:p>
@@ -4563,11 +4580,7 @@
             </a:r>
             <a:r>
               <a:rPr lang="en-US" dirty="0" smtClean="0"/>
-              <a:t>a</a:t>
-            </a:r>
-            <a:r>
-              <a:rPr lang="en-US" dirty="0" smtClean="0"/>
-              <a:t>={}</a:t>
+              <a:t>a={}</a:t>
             </a:r>
           </a:p>
           <a:p>
@@ -4795,11 +4808,7 @@
           <a:p>
             <a:r>
               <a:rPr lang="ru-RU" dirty="0" smtClean="0"/>
-              <a:t>Архитектура рассчитана на </a:t>
-            </a:r>
-            <a:r>
-              <a:rPr lang="ru-RU" dirty="0" smtClean="0"/>
-              <a:t>удо</a:t>
+              <a:t>Архитектура рассчитана на удо</a:t>
             </a:r>
             <a:r>
               <a:rPr lang="ru-RU" dirty="0"/>
@@ -4807,11 +4816,7 @@
             </a:r>
             <a:r>
               <a:rPr lang="ru-RU" dirty="0" smtClean="0"/>
-              <a:t>ство </a:t>
-            </a:r>
-            <a:r>
-              <a:rPr lang="ru-RU" dirty="0" smtClean="0"/>
-              <a:t>использования, а не на производительность</a:t>
+              <a:t>ство использования, а не на производительность</a:t>
             </a:r>
           </a:p>
           <a:p>
@@ -5899,7 +5904,7 @@
           <a:p>
             <a:r>
               <a:rPr lang="ru-RU" dirty="0" smtClean="0"/>
-              <a:t>Инструменты	</a:t>
+              <a:t>Пул объектов</a:t>
             </a:r>
             <a:endParaRPr lang="ru-RU" dirty="0"/>
           </a:p>
@@ -5917,40 +5922,241 @@
         </p:nvSpPr>
         <p:spPr/>
         <p:txBody>
-          <a:bodyPr/>
-          <a:lstStyle/>
-          <a:p>
-            <a:r>
-              <a:rPr lang="ru-RU" dirty="0" smtClean="0"/>
-              <a:t>Функции </a:t>
-            </a:r>
-          </a:p>
-          <a:p>
-            <a:pPr lvl="1"/>
-            <a:r>
-              <a:rPr lang="en-US" dirty="0" err="1" smtClean="0"/>
-              <a:t>getTimer</a:t>
-            </a:r>
-            <a:endParaRPr lang="en-US" dirty="0" smtClean="0"/>
-          </a:p>
-          <a:p>
-            <a:pPr lvl="1"/>
-            <a:r>
-              <a:rPr lang="en-US" dirty="0" err="1" smtClean="0"/>
-              <a:t>System.totalMemory</a:t>
-            </a:r>
-            <a:endParaRPr lang="en-US" dirty="0" smtClean="0"/>
-          </a:p>
-          <a:p>
-            <a:r>
-              <a:rPr lang="en-US" dirty="0" smtClean="0"/>
-              <a:t>Flash Player Debugger</a:t>
-            </a:r>
-          </a:p>
-          <a:p>
-            <a:r>
-              <a:rPr lang="en-US" dirty="0" smtClean="0"/>
-              <a:t>Adobe Scout</a:t>
+          <a:bodyPr>
+            <a:normAutofit fontScale="40000" lnSpcReduction="20000"/>
+          </a:bodyPr>
+          <a:lstStyle/>
+          <a:p>
+            <a:pPr marL="0" indent="0">
+              <a:buNone/>
+            </a:pPr>
+            <a:r>
+              <a:rPr lang="en-US" sz="3700" dirty="0"/>
+              <a:t>  </a:t>
+            </a:r>
+            <a:r>
+              <a:rPr lang="en-US" sz="3700" dirty="0" smtClean="0"/>
+              <a:t>     public </a:t>
+            </a:r>
+            <a:r>
+              <a:rPr lang="en-US" sz="3700" dirty="0"/>
+              <a:t>static function </a:t>
+            </a:r>
+            <a:r>
+              <a:rPr lang="en-US" sz="3700" dirty="0" err="1"/>
+              <a:t>getSprite</a:t>
+            </a:r>
+            <a:r>
+              <a:rPr lang="en-US" sz="3700" dirty="0"/>
+              <a:t>():Sprite </a:t>
+            </a:r>
+          </a:p>
+          <a:p>
+            <a:pPr marL="0" indent="0">
+              <a:buNone/>
+            </a:pPr>
+            <a:r>
+              <a:rPr lang="en-US" sz="3700" dirty="0"/>
+              <a:t>        { </a:t>
+            </a:r>
+          </a:p>
+          <a:p>
+            <a:pPr marL="0" indent="0">
+              <a:buNone/>
+            </a:pPr>
+            <a:r>
+              <a:rPr lang="en-US" sz="3700" dirty="0"/>
+              <a:t>            if ( counter &gt; 0 ) </a:t>
+            </a:r>
+          </a:p>
+          <a:p>
+            <a:pPr marL="0" indent="0">
+              <a:buNone/>
+            </a:pPr>
+            <a:r>
+              <a:rPr lang="en-US" sz="3700" dirty="0"/>
+              <a:t>                return </a:t>
+            </a:r>
+            <a:r>
+              <a:rPr lang="en-US" sz="3700" dirty="0" err="1"/>
+              <a:t>currentSprite</a:t>
+            </a:r>
+            <a:r>
+              <a:rPr lang="en-US" sz="3700" dirty="0"/>
+              <a:t> = pool[--counter]; </a:t>
+            </a:r>
+          </a:p>
+          <a:p>
+            <a:pPr marL="0" indent="0">
+              <a:buNone/>
+            </a:pPr>
+            <a:r>
+              <a:rPr lang="en-US" sz="3700" dirty="0"/>
+              <a:t>                 </a:t>
+            </a:r>
+          </a:p>
+          <a:p>
+            <a:pPr marL="0" indent="0">
+              <a:buNone/>
+            </a:pPr>
+            <a:r>
+              <a:rPr lang="en-US" sz="3700" dirty="0"/>
+              <a:t>            </a:t>
+            </a:r>
+            <a:r>
+              <a:rPr lang="en-US" sz="3700" dirty="0" err="1"/>
+              <a:t>var</a:t>
+            </a:r>
+            <a:r>
+              <a:rPr lang="en-US" sz="3700" dirty="0"/>
+              <a:t> i:uint = GROWTH_VALUE; </a:t>
+            </a:r>
+          </a:p>
+          <a:p>
+            <a:pPr marL="0" indent="0">
+              <a:buNone/>
+            </a:pPr>
+            <a:r>
+              <a:rPr lang="en-US" sz="3700" dirty="0"/>
+              <a:t>            while( --</a:t>
+            </a:r>
+            <a:r>
+              <a:rPr lang="en-US" sz="3700" dirty="0" err="1"/>
+              <a:t>i</a:t>
+            </a:r>
+            <a:r>
+              <a:rPr lang="en-US" sz="3700" dirty="0"/>
+              <a:t> &gt; -1 ) </a:t>
+            </a:r>
+          </a:p>
+          <a:p>
+            <a:pPr marL="0" indent="0">
+              <a:buNone/>
+            </a:pPr>
+            <a:r>
+              <a:rPr lang="en-US" sz="3700" dirty="0"/>
+              <a:t>                    </a:t>
+            </a:r>
+            <a:r>
+              <a:rPr lang="en-US" sz="3700" dirty="0" err="1"/>
+              <a:t>pool.unshift</a:t>
+            </a:r>
+            <a:r>
+              <a:rPr lang="en-US" sz="3700" dirty="0"/>
+              <a:t> ( new Sprite() ); </a:t>
+            </a:r>
+          </a:p>
+          <a:p>
+            <a:pPr marL="0" indent="0">
+              <a:buNone/>
+            </a:pPr>
+            <a:r>
+              <a:rPr lang="en-US" sz="3700" dirty="0"/>
+              <a:t>            counter = GROWTH_VALUE; </a:t>
+            </a:r>
+          </a:p>
+          <a:p>
+            <a:pPr marL="0" indent="0">
+              <a:buNone/>
+            </a:pPr>
+            <a:r>
+              <a:rPr lang="en-US" sz="3700" dirty="0"/>
+              <a:t>            return </a:t>
+            </a:r>
+            <a:r>
+              <a:rPr lang="en-US" sz="3700" dirty="0" err="1"/>
+              <a:t>getSprite</a:t>
+            </a:r>
+            <a:r>
+              <a:rPr lang="en-US" sz="3700" dirty="0"/>
+              <a:t>(); </a:t>
+            </a:r>
+          </a:p>
+          <a:p>
+            <a:pPr marL="0" indent="0">
+              <a:buNone/>
+            </a:pPr>
+            <a:r>
+              <a:rPr lang="en-US" sz="3700" dirty="0"/>
+              <a:t>             </a:t>
+            </a:r>
+          </a:p>
+          <a:p>
+            <a:pPr marL="0" indent="0">
+              <a:buNone/>
+            </a:pPr>
+            <a:r>
+              <a:rPr lang="en-US" sz="3700" dirty="0"/>
+              <a:t>        } </a:t>
+            </a:r>
+          </a:p>
+          <a:p>
+            <a:pPr marL="0" indent="0">
+              <a:buNone/>
+            </a:pPr>
+            <a:r>
+              <a:rPr lang="en-US" sz="3700" dirty="0"/>
+              <a:t>  </a:t>
+            </a:r>
+          </a:p>
+          <a:p>
+            <a:pPr marL="0" indent="0">
+              <a:buNone/>
+            </a:pPr>
+            <a:r>
+              <a:rPr lang="en-US" sz="3700" dirty="0"/>
+              <a:t>        public static function </a:t>
+            </a:r>
+            <a:r>
+              <a:rPr lang="en-US" sz="3700" dirty="0" err="1"/>
+              <a:t>disposeSprite</a:t>
+            </a:r>
+            <a:r>
+              <a:rPr lang="en-US" sz="3700" dirty="0"/>
+              <a:t>(</a:t>
+            </a:r>
+            <a:r>
+              <a:rPr lang="en-US" sz="3700" dirty="0" err="1"/>
+              <a:t>disposedSprite:Sprite</a:t>
+            </a:r>
+            <a:r>
+              <a:rPr lang="en-US" sz="3700" dirty="0"/>
+              <a:t>):void </a:t>
+            </a:r>
+          </a:p>
+          <a:p>
+            <a:pPr marL="0" indent="0">
+              <a:buNone/>
+            </a:pPr>
+            <a:r>
+              <a:rPr lang="en-US" sz="3700" dirty="0"/>
+              <a:t>        { </a:t>
+            </a:r>
+          </a:p>
+          <a:p>
+            <a:pPr marL="0" indent="0">
+              <a:buNone/>
+            </a:pPr>
+            <a:r>
+              <a:rPr lang="en-US" sz="3700" dirty="0"/>
+              <a:t>            pool[counter++] = </a:t>
+            </a:r>
+            <a:r>
+              <a:rPr lang="en-US" sz="3700" dirty="0" err="1"/>
+              <a:t>disposedSprite</a:t>
+            </a:r>
+            <a:r>
+              <a:rPr lang="en-US" sz="3700" dirty="0"/>
+              <a:t>; </a:t>
+            </a:r>
+          </a:p>
+          <a:p>
+            <a:pPr marL="0" indent="0">
+              <a:buNone/>
+            </a:pPr>
+            <a:r>
+              <a:rPr lang="en-US" sz="3700" dirty="0"/>
+              <a:t>        } </a:t>
             </a:r>
             <a:endParaRPr lang="ru-RU" dirty="0"/>
           </a:p>
@@ -5959,7 +6165,7 @@
     </p:spTree>
     <p:extLst>
       <p:ext uri="{BB962C8B-B14F-4D97-AF65-F5344CB8AC3E}">
-        <p14:creationId xmlns:p14="http://schemas.microsoft.com/office/powerpoint/2010/main" val="977993071"/>
+        <p14:creationId xmlns:p14="http://schemas.microsoft.com/office/powerpoint/2010/main" val="2351358091"/>
       </p:ext>
     </p:extLst>
   </p:cSld>
@@ -6002,71 +6208,60 @@
           <a:lstStyle/>
           <a:p>
             <a:r>
+              <a:rPr lang="ru-RU" dirty="0" smtClean="0"/>
+              <a:t>Инструменты	</a:t>
+            </a:r>
+            <a:endParaRPr lang="ru-RU" dirty="0"/>
+          </a:p>
+        </p:txBody>
+      </p:sp>
+      <p:sp>
+        <p:nvSpPr>
+          <p:cNvPr id="3" name="Content Placeholder 2"/>
+          <p:cNvSpPr>
+            <a:spLocks noGrp="1"/>
+          </p:cNvSpPr>
+          <p:nvPr>
+            <p:ph idx="1"/>
+          </p:nvPr>
+        </p:nvSpPr>
+        <p:spPr/>
+        <p:txBody>
+          <a:bodyPr/>
+          <a:lstStyle/>
+          <a:p>
+            <a:r>
+              <a:rPr lang="ru-RU" dirty="0" smtClean="0"/>
+              <a:t>Функции </a:t>
+            </a:r>
+          </a:p>
+          <a:p>
+            <a:pPr lvl="1"/>
+            <a:r>
+              <a:rPr lang="en-US" dirty="0" err="1" smtClean="0"/>
+              <a:t>getTimer</a:t>
+            </a:r>
+            <a:endParaRPr lang="en-US" dirty="0" smtClean="0"/>
+          </a:p>
+          <a:p>
+            <a:pPr lvl="1"/>
+            <a:r>
+              <a:rPr lang="en-US" dirty="0" err="1" smtClean="0"/>
+              <a:t>System.totalMemory</a:t>
+            </a:r>
+            <a:endParaRPr lang="en-US" dirty="0" smtClean="0"/>
+          </a:p>
+          <a:p>
+            <a:r>
               <a:rPr lang="en-US" dirty="0" smtClean="0"/>
-              <a:t>Adobe scout	</a:t>
-            </a:r>
-            <a:endParaRPr lang="ru-RU" dirty="0"/>
-          </a:p>
-        </p:txBody>
-      </p:sp>
-      <p:sp>
-        <p:nvSpPr>
-          <p:cNvPr id="3" name="Content Placeholder 2"/>
-          <p:cNvSpPr>
-            <a:spLocks noGrp="1"/>
-          </p:cNvSpPr>
-          <p:nvPr>
-            <p:ph idx="1"/>
-          </p:nvPr>
-        </p:nvSpPr>
-        <p:spPr/>
-        <p:txBody>
-          <a:bodyPr/>
-          <a:lstStyle/>
+              <a:t>Flash Player Debugger</a:t>
+            </a:r>
+          </a:p>
           <a:p>
             <a:r>
               <a:rPr lang="en-US" dirty="0" smtClean="0"/>
-              <a:t>-</a:t>
-            </a:r>
-            <a:r>
-              <a:rPr lang="en-US" dirty="0" err="1" smtClean="0"/>
-              <a:t>advanced_telemetry</a:t>
-            </a:r>
-            <a:endParaRPr lang="en-US" dirty="0" smtClean="0"/>
-          </a:p>
-          <a:p>
-            <a:r>
-              <a:rPr lang="ru-RU" dirty="0" smtClean="0"/>
-              <a:t>Не поддерживается </a:t>
-            </a:r>
-            <a:r>
-              <a:rPr lang="en-US" dirty="0" smtClean="0"/>
-              <a:t>flex</a:t>
-            </a:r>
-            <a:endParaRPr lang="ru-RU" dirty="0" smtClean="0"/>
-          </a:p>
-          <a:p>
-            <a:r>
-              <a:rPr lang="ru-RU" dirty="0" smtClean="0"/>
-              <a:t>Поддержку можно добавить в скомпилированную  </a:t>
-            </a:r>
-            <a:r>
-              <a:rPr lang="en-US" dirty="0" err="1" smtClean="0"/>
-              <a:t>swf</a:t>
-            </a:r>
-            <a:r>
-              <a:rPr lang="ru-RU" dirty="0" smtClean="0"/>
-              <a:t>: есть питон-скрипт и приложения с графическим интерфейсом</a:t>
-            </a:r>
-            <a:endParaRPr lang="en-US" dirty="0" smtClean="0"/>
-          </a:p>
-          <a:p>
-            <a:endParaRPr lang="en-US" dirty="0" smtClean="0"/>
-          </a:p>
-          <a:p>
-            <a:pPr marL="0" indent="0">
-              <a:buNone/>
-            </a:pPr>
+              <a:t>Adobe Scout</a:t>
+            </a:r>
             <a:endParaRPr lang="ru-RU" dirty="0"/>
           </a:p>
         </p:txBody>
@@ -6074,7 +6269,7 @@
     </p:spTree>
     <p:extLst>
       <p:ext uri="{BB962C8B-B14F-4D97-AF65-F5344CB8AC3E}">
-        <p14:creationId xmlns:p14="http://schemas.microsoft.com/office/powerpoint/2010/main" val="1693264424"/>
+        <p14:creationId xmlns:p14="http://schemas.microsoft.com/office/powerpoint/2010/main" val="977993071"/>
       </p:ext>
     </p:extLst>
   </p:cSld>
@@ -6117,12 +6312,8 @@
           <a:lstStyle/>
           <a:p>
             <a:r>
-              <a:rPr lang="ru-RU" dirty="0" smtClean="0"/>
-              <a:t>Использование </a:t>
-            </a:r>
-            <a:r>
               <a:rPr lang="en-US" dirty="0" smtClean="0"/>
-              <a:t>Scout</a:t>
+              <a:t>Adobe scout	</a:t>
             </a:r>
             <a:endParaRPr lang="ru-RU" dirty="0"/>
           </a:p>
@@ -6144,62 +6335,48 @@
           <a:lstStyle/>
           <a:p>
             <a:r>
-              <a:rPr lang="ru-RU" dirty="0" smtClean="0"/>
-              <a:t>Компилируем приложение</a:t>
-            </a:r>
-          </a:p>
-          <a:p>
-            <a:r>
-              <a:rPr lang="ru-RU" dirty="0" smtClean="0"/>
+              <a:rPr lang="en-US" dirty="0" smtClean="0"/>
               <a:t>-</a:t>
             </a:r>
             <a:r>
               <a:rPr lang="en-US" dirty="0" err="1" smtClean="0"/>
-              <a:t>target_player</a:t>
+              <a:t>advanced_telemetry</a:t>
+            </a:r>
+            <a:endParaRPr lang="en-US" dirty="0" smtClean="0"/>
+          </a:p>
+          <a:p>
+            <a:r>
+              <a:rPr lang="ru-RU" dirty="0" smtClean="0"/>
+              <a:t>Не поддерживается </a:t>
             </a:r>
             <a:r>
               <a:rPr lang="en-US" dirty="0" smtClean="0"/>
-              <a:t>=11.4, -</a:t>
-            </a:r>
-            <a:r>
-              <a:rPr lang="en-US" dirty="0" err="1" smtClean="0"/>
-              <a:t>swf_version</a:t>
-            </a:r>
-            <a:r>
-              <a:rPr lang="en-US" dirty="0" smtClean="0"/>
-              <a:t>=13</a:t>
-            </a:r>
-          </a:p>
-          <a:p>
-            <a:r>
-              <a:rPr lang="en-US" dirty="0" smtClean="0"/>
-              <a:t>Flash player debugger 11</a:t>
-            </a:r>
-            <a:r>
-              <a:rPr lang="ru-RU" dirty="0" smtClean="0"/>
-              <a:t>.5</a:t>
-            </a:r>
-          </a:p>
-          <a:p>
-            <a:r>
-              <a:rPr lang="ru-RU" dirty="0" smtClean="0"/>
-              <a:t>Запускаем </a:t>
+              <a:t>flex</a:t>
+            </a:r>
+            <a:endParaRPr lang="ru-RU" dirty="0" smtClean="0"/>
+          </a:p>
+          <a:p>
+            <a:r>
+              <a:rPr lang="ru-RU" dirty="0" smtClean="0"/>
+              <a:t>Поддержку можно добавить в скомпилированную  </a:t>
             </a:r>
             <a:r>
               <a:rPr lang="en-US" dirty="0" err="1" smtClean="0"/>
               <a:t>swf</a:t>
             </a:r>
+            <a:r>
+              <a:rPr lang="ru-RU" dirty="0" smtClean="0"/>
+              <a:t>: есть питон-скрипт и приложения с графическим интерфейсом</a:t>
+            </a:r>
             <a:endParaRPr lang="en-US" dirty="0" smtClean="0"/>
           </a:p>
           <a:p>
-            <a:r>
-              <a:rPr lang="en-US" dirty="0" smtClean="0"/>
-              <a:t>Scout  </a:t>
-            </a:r>
-            <a:r>
-              <a:rPr lang="ru-RU" dirty="0" smtClean="0"/>
-              <a:t>автоматически начинает новую сессию</a:t>
-            </a:r>
+            <a:endParaRPr lang="en-US" dirty="0" smtClean="0"/>
+          </a:p>
+          <a:p>
+            <a:pPr marL="0" indent="0">
+              <a:buNone/>
+            </a:pPr>
             <a:endParaRPr lang="ru-RU" dirty="0"/>
           </a:p>
         </p:txBody>
@@ -6207,7 +6384,7 @@
     </p:spTree>
     <p:extLst>
       <p:ext uri="{BB962C8B-B14F-4D97-AF65-F5344CB8AC3E}">
-        <p14:creationId xmlns:p14="http://schemas.microsoft.com/office/powerpoint/2010/main" val="2367100312"/>
+        <p14:creationId xmlns:p14="http://schemas.microsoft.com/office/powerpoint/2010/main" val="1693264424"/>
       </p:ext>
     </p:extLst>
   </p:cSld>
@@ -6244,6 +6421,139 @@
             <p:ph type="title"/>
           </p:nvPr>
         </p:nvSpPr>
+        <p:spPr/>
+        <p:txBody>
+          <a:bodyPr/>
+          <a:lstStyle/>
+          <a:p>
+            <a:r>
+              <a:rPr lang="ru-RU" dirty="0" smtClean="0"/>
+              <a:t>Использование </a:t>
+            </a:r>
+            <a:r>
+              <a:rPr lang="en-US" dirty="0" smtClean="0"/>
+              <a:t>Scout</a:t>
+            </a:r>
+            <a:endParaRPr lang="ru-RU" dirty="0"/>
+          </a:p>
+        </p:txBody>
+      </p:sp>
+      <p:sp>
+        <p:nvSpPr>
+          <p:cNvPr id="3" name="Content Placeholder 2"/>
+          <p:cNvSpPr>
+            <a:spLocks noGrp="1"/>
+          </p:cNvSpPr>
+          <p:nvPr>
+            <p:ph idx="1"/>
+          </p:nvPr>
+        </p:nvSpPr>
+        <p:spPr/>
+        <p:txBody>
+          <a:bodyPr/>
+          <a:lstStyle/>
+          <a:p>
+            <a:r>
+              <a:rPr lang="ru-RU" dirty="0" smtClean="0"/>
+              <a:t>Компилируем приложение</a:t>
+            </a:r>
+          </a:p>
+          <a:p>
+            <a:r>
+              <a:rPr lang="ru-RU" dirty="0" smtClean="0"/>
+              <a:t>-</a:t>
+            </a:r>
+            <a:r>
+              <a:rPr lang="en-US" dirty="0" err="1" smtClean="0"/>
+              <a:t>target_player</a:t>
+            </a:r>
+            <a:r>
+              <a:rPr lang="en-US" dirty="0" smtClean="0"/>
+              <a:t>=11.4, -</a:t>
+            </a:r>
+            <a:r>
+              <a:rPr lang="en-US" dirty="0" err="1" smtClean="0"/>
+              <a:t>swf_version</a:t>
+            </a:r>
+            <a:r>
+              <a:rPr lang="en-US" dirty="0" smtClean="0"/>
+              <a:t>=13</a:t>
+            </a:r>
+          </a:p>
+          <a:p>
+            <a:r>
+              <a:rPr lang="en-US" dirty="0" smtClean="0"/>
+              <a:t>Flash player debugger 11</a:t>
+            </a:r>
+            <a:r>
+              <a:rPr lang="ru-RU" dirty="0" smtClean="0"/>
+              <a:t>.5</a:t>
+            </a:r>
+          </a:p>
+          <a:p>
+            <a:r>
+              <a:rPr lang="ru-RU" dirty="0" smtClean="0"/>
+              <a:t>Запускаем </a:t>
+            </a:r>
+            <a:r>
+              <a:rPr lang="en-US" dirty="0" err="1" smtClean="0"/>
+              <a:t>swf</a:t>
+            </a:r>
+            <a:endParaRPr lang="en-US" dirty="0" smtClean="0"/>
+          </a:p>
+          <a:p>
+            <a:r>
+              <a:rPr lang="en-US" dirty="0" smtClean="0"/>
+              <a:t>Scout  </a:t>
+            </a:r>
+            <a:r>
+              <a:rPr lang="ru-RU" dirty="0" smtClean="0"/>
+              <a:t>автоматически начинает новую сессию</a:t>
+            </a:r>
+            <a:endParaRPr lang="ru-RU" dirty="0"/>
+          </a:p>
+        </p:txBody>
+      </p:sp>
+    </p:spTree>
+    <p:extLst>
+      <p:ext uri="{BB962C8B-B14F-4D97-AF65-F5344CB8AC3E}">
+        <p14:creationId xmlns:p14="http://schemas.microsoft.com/office/powerpoint/2010/main" val="2367100312"/>
+      </p:ext>
+    </p:extLst>
+  </p:cSld>
+  <p:clrMapOvr>
+    <a:masterClrMapping/>
+  </p:clrMapOvr>
+</p:sld>
+</file>
+
+<file path=ppt/slides/slide28.xml><?xml version="1.0" encoding="utf-8"?>
+<p:sld xmlns:a="http://schemas.openxmlformats.org/drawingml/2006/main" xmlns:r="http://schemas.openxmlformats.org/officeDocument/2006/relationships" xmlns:p="http://schemas.openxmlformats.org/presentationml/2006/main">
+  <p:cSld>
+    <p:spTree>
+      <p:nvGrpSpPr>
+        <p:cNvPr id="1" name=""/>
+        <p:cNvGrpSpPr/>
+        <p:nvPr/>
+      </p:nvGrpSpPr>
+      <p:grpSpPr>
+        <a:xfrm>
+          <a:off x="0" y="0"/>
+          <a:ext cx="0" cy="0"/>
+          <a:chOff x="0" y="0"/>
+          <a:chExt cx="0" cy="0"/>
+        </a:xfrm>
+      </p:grpSpPr>
+      <p:sp>
+        <p:nvSpPr>
+          <p:cNvPr id="2" name="Title 1"/>
+          <p:cNvSpPr>
+            <a:spLocks noGrp="1"/>
+          </p:cNvSpPr>
+          <p:nvPr>
+            <p:ph type="title"/>
+          </p:nvPr>
+        </p:nvSpPr>
         <p:spPr>
           <a:xfrm>
             <a:off x="457200" y="274638"/>
@@ -6306,8 +6616,8 @@
         </p:blipFill>
         <p:spPr bwMode="auto">
           <a:xfrm>
-            <a:off x="119058" y="1196752"/>
-            <a:ext cx="9061454" cy="5112568"/>
+            <a:off x="26761" y="1052736"/>
+            <a:ext cx="9061454" cy="5661248"/>
           </a:xfrm>
           <a:prstGeom prst="rect">
             <a:avLst/>
@@ -6337,7 +6647,7 @@
 </p:sld>
 </file>
 
-<file path=ppt/slides/slide28.xml><?xml version="1.0" encoding="utf-8"?>
+<file path=ppt/slides/slide29.xml><?xml version="1.0" encoding="utf-8"?>
 <p:sld xmlns:a="http://schemas.openxmlformats.org/drawingml/2006/main" xmlns:r="http://schemas.openxmlformats.org/officeDocument/2006/relationships" xmlns:p="http://schemas.openxmlformats.org/presentationml/2006/main">
   <p:cSld>
     <p:spTree>
@@ -6400,8 +6710,8 @@
         </p:blipFill>
         <p:spPr bwMode="auto">
           <a:xfrm>
-            <a:off x="464777" y="1988840"/>
-            <a:ext cx="8134350" cy="2838450"/>
+            <a:off x="107504" y="1988840"/>
+            <a:ext cx="8873416" cy="3096344"/>
           </a:xfrm>
           <a:prstGeom prst="rect">
             <a:avLst/>
@@ -6422,100 +6732,6 @@
     <p:extLst>
       <p:ext uri="{BB962C8B-B14F-4D97-AF65-F5344CB8AC3E}">
         <p14:creationId xmlns:p14="http://schemas.microsoft.com/office/powerpoint/2010/main" val="4182648337"/>
-      </p:ext>
-    </p:extLst>
-  </p:cSld>
-  <p:clrMapOvr>
-    <a:masterClrMapping/>
-  </p:clrMapOvr>
-</p:sld>
-</file>
-
-<file path=ppt/slides/slide29.xml><?xml version="1.0" encoding="utf-8"?>
-<p:sld xmlns:a="http://schemas.openxmlformats.org/drawingml/2006/main" xmlns:r="http://schemas.openxmlformats.org/officeDocument/2006/relationships" xmlns:p="http://schemas.openxmlformats.org/presentationml/2006/main">
-  <p:cSld>
-    <p:spTree>
-      <p:nvGrpSpPr>
-        <p:cNvPr id="1" name=""/>
-        <p:cNvGrpSpPr/>
-        <p:nvPr/>
-      </p:nvGrpSpPr>
-      <p:grpSpPr>
-        <a:xfrm>
-          <a:off x="0" y="0"/>
-          <a:ext cx="0" cy="0"/>
-          <a:chOff x="0" y="0"/>
-          <a:chExt cx="0" cy="0"/>
-        </a:xfrm>
-      </p:grpSpPr>
-      <p:sp>
-        <p:nvSpPr>
-          <p:cNvPr id="2" name="Title 1"/>
-          <p:cNvSpPr>
-            <a:spLocks noGrp="1"/>
-          </p:cNvSpPr>
-          <p:nvPr>
-            <p:ph type="title"/>
-          </p:nvPr>
-        </p:nvSpPr>
-        <p:spPr/>
-        <p:txBody>
-          <a:bodyPr/>
-          <a:lstStyle/>
-          <a:p>
-            <a:r>
-              <a:rPr lang="en-US" dirty="0" smtClean="0"/>
-              <a:t>Scout</a:t>
-            </a:r>
-            <a:endParaRPr lang="ru-RU" dirty="0"/>
-          </a:p>
-        </p:txBody>
-      </p:sp>
-      <p:pic>
-        <p:nvPicPr>
-          <p:cNvPr id="6146" name="Picture 2" descr="Z:\Downloads\_Farm-debug.swf - Adobe Scout CC-2.png"/>
-          <p:cNvPicPr>
-            <a:picLocks noChangeAspect="1" noChangeArrowheads="1"/>
-          </p:cNvPicPr>
-          <p:nvPr/>
-        </p:nvPicPr>
-        <p:blipFill>
-          <a:blip r:embed="rId2">
-            <a:extLst>
-              <a:ext uri="{28A0092B-C50C-407E-A947-70E740481C1C}">
-                <a14:useLocalDpi xmlns:a14="http://schemas.microsoft.com/office/drawing/2010/main" val="0"/>
-              </a:ext>
-            </a:extLst>
-          </a:blip>
-          <a:srcRect/>
-          <a:stretch>
-            <a:fillRect/>
-          </a:stretch>
-        </p:blipFill>
-        <p:spPr bwMode="auto">
-          <a:xfrm>
-            <a:off x="1547664" y="1700808"/>
-            <a:ext cx="5819775" cy="4648200"/>
-          </a:xfrm>
-          <a:prstGeom prst="rect">
-            <a:avLst/>
-          </a:prstGeom>
-          <a:noFill/>
-          <a:extLst>
-            <a:ext uri="{909E8E84-426E-40DD-AFC4-6F175D3DCCD1}">
-              <a14:hiddenFill xmlns:a14="http://schemas.microsoft.com/office/drawing/2010/main">
-                <a:solidFill>
-                  <a:srgbClr val="FFFFFF"/>
-                </a:solidFill>
-              </a14:hiddenFill>
-            </a:ext>
-          </a:extLst>
-        </p:spPr>
-      </p:pic>
-    </p:spTree>
-    <p:extLst>
-      <p:ext uri="{BB962C8B-B14F-4D97-AF65-F5344CB8AC3E}">
-        <p14:creationId xmlns:p14="http://schemas.microsoft.com/office/powerpoint/2010/main" val="4273862861"/>
       </p:ext>
     </p:extLst>
   </p:cSld>
@@ -6663,6 +6879,107 @@
             <p:ph type="title"/>
           </p:nvPr>
         </p:nvSpPr>
+        <p:spPr>
+          <a:xfrm>
+            <a:off x="457200" y="274638"/>
+            <a:ext cx="8229600" cy="418058"/>
+          </a:xfrm>
+        </p:spPr>
+        <p:txBody>
+          <a:bodyPr>
+            <a:normAutofit fontScale="90000"/>
+          </a:bodyPr>
+          <a:lstStyle/>
+          <a:p>
+            <a:r>
+              <a:rPr lang="en-US" dirty="0" smtClean="0"/>
+              <a:t>Scout</a:t>
+            </a:r>
+            <a:endParaRPr lang="ru-RU" dirty="0"/>
+          </a:p>
+        </p:txBody>
+      </p:sp>
+      <p:pic>
+        <p:nvPicPr>
+          <p:cNvPr id="6146" name="Picture 2" descr="Z:\Downloads\_Farm-debug.swf - Adobe Scout CC-2.png"/>
+          <p:cNvPicPr>
+            <a:picLocks noChangeAspect="1" noChangeArrowheads="1"/>
+          </p:cNvPicPr>
+          <p:nvPr/>
+        </p:nvPicPr>
+        <p:blipFill>
+          <a:blip r:embed="rId2">
+            <a:extLst>
+              <a:ext uri="{28A0092B-C50C-407E-A947-70E740481C1C}">
+                <a14:useLocalDpi xmlns:a14="http://schemas.microsoft.com/office/drawing/2010/main" val="0"/>
+              </a:ext>
+            </a:extLst>
+          </a:blip>
+          <a:srcRect/>
+          <a:stretch>
+            <a:fillRect/>
+          </a:stretch>
+        </p:blipFill>
+        <p:spPr bwMode="auto">
+          <a:xfrm>
+            <a:off x="1115616" y="836712"/>
+            <a:ext cx="7344816" cy="5866236"/>
+          </a:xfrm>
+          <a:prstGeom prst="rect">
+            <a:avLst/>
+          </a:prstGeom>
+          <a:noFill/>
+          <a:extLst>
+            <a:ext uri="{909E8E84-426E-40DD-AFC4-6F175D3DCCD1}">
+              <a14:hiddenFill xmlns:a14="http://schemas.microsoft.com/office/drawing/2010/main">
+                <a:solidFill>
+                  <a:srgbClr val="FFFFFF"/>
+                </a:solidFill>
+              </a14:hiddenFill>
+            </a:ext>
+          </a:extLst>
+        </p:spPr>
+      </p:pic>
+    </p:spTree>
+    <p:extLst>
+      <p:ext uri="{BB962C8B-B14F-4D97-AF65-F5344CB8AC3E}">
+        <p14:creationId xmlns:p14="http://schemas.microsoft.com/office/powerpoint/2010/main" val="4273862861"/>
+      </p:ext>
+    </p:extLst>
+  </p:cSld>
+  <p:clrMapOvr>
+    <a:masterClrMapping/>
+  </p:clrMapOvr>
+</p:sld>
+</file>
+
+<file path=ppt/slides/slide31.xml><?xml version="1.0" encoding="utf-8"?>
+<p:sld xmlns:a="http://schemas.openxmlformats.org/drawingml/2006/main" xmlns:r="http://schemas.openxmlformats.org/officeDocument/2006/relationships" xmlns:p="http://schemas.openxmlformats.org/presentationml/2006/main">
+  <p:cSld>
+    <p:spTree>
+      <p:nvGrpSpPr>
+        <p:cNvPr id="1" name=""/>
+        <p:cNvGrpSpPr/>
+        <p:nvPr/>
+      </p:nvGrpSpPr>
+      <p:grpSpPr>
+        <a:xfrm>
+          <a:off x="0" y="0"/>
+          <a:ext cx="0" cy="0"/>
+          <a:chOff x="0" y="0"/>
+          <a:chExt cx="0" cy="0"/>
+        </a:xfrm>
+      </p:grpSpPr>
+      <p:sp>
+        <p:nvSpPr>
+          <p:cNvPr id="2" name="Title 1"/>
+          <p:cNvSpPr>
+            <a:spLocks noGrp="1"/>
+          </p:cNvSpPr>
+          <p:nvPr>
+            <p:ph type="title"/>
+          </p:nvPr>
+        </p:nvSpPr>
         <p:spPr/>
         <p:txBody>
           <a:bodyPr/>
@@ -6700,7 +7017,7 @@
         <p:spPr bwMode="auto">
           <a:xfrm>
             <a:off x="150808" y="1844824"/>
-            <a:ext cx="8734426" cy="3990975"/>
+            <a:ext cx="8734426" cy="4176464"/>
           </a:xfrm>
           <a:prstGeom prst="rect">
             <a:avLst/>
@@ -6730,7 +7047,7 @@
 </p:sld>
 </file>
 
-<file path=ppt/slides/slide31.xml><?xml version="1.0" encoding="utf-8"?>
+<file path=ppt/slides/slide32.xml><?xml version="1.0" encoding="utf-8"?>
 <p:sld xmlns:a="http://schemas.openxmlformats.org/drawingml/2006/main" xmlns:r="http://schemas.openxmlformats.org/officeDocument/2006/relationships" xmlns:p="http://schemas.openxmlformats.org/presentationml/2006/main">
   <p:cSld>
     <p:spTree>
@@ -6824,7 +7141,7 @@
 </p:sld>
 </file>
 
-<file path=ppt/slides/slide32.xml><?xml version="1.0" encoding="utf-8"?>
+<file path=ppt/slides/slide33.xml><?xml version="1.0" encoding="utf-8"?>
 <p:sld xmlns:a="http://schemas.openxmlformats.org/drawingml/2006/main" xmlns:r="http://schemas.openxmlformats.org/officeDocument/2006/relationships" xmlns:p="http://schemas.openxmlformats.org/presentationml/2006/main">
   <p:cSld>
     <p:spTree>
@@ -6887,8 +7204,8 @@
         </p:blipFill>
         <p:spPr bwMode="auto">
           <a:xfrm>
-            <a:off x="467544" y="1556792"/>
-            <a:ext cx="8096251" cy="4391025"/>
+            <a:off x="107504" y="1556792"/>
+            <a:ext cx="8928992" cy="4842664"/>
           </a:xfrm>
           <a:prstGeom prst="rect">
             <a:avLst/>
